--- a/information/网站结构080123.pptx
+++ b/information/网站结构080123.pptx
@@ -8,7 +8,6 @@
     <p:sldId id="256" r:id="rId2"/>
     <p:sldId id="257" r:id="rId3"/>
     <p:sldId id="258" r:id="rId4"/>
-    <p:sldId id="259" r:id="rId5"/>
   </p:sldIdLst>
   <p:sldSz cx="9144000" cy="6858000" type="screen4x3"/>
   <p:notesSz cx="6858000" cy="9144000"/>
@@ -10186,7 +10185,7 @@
             <a:fld id="{01063BBB-D67F-46CB-8C7C-A128197A8B53}" type="datetimeFigureOut">
               <a:rPr lang="zh-CN" altLang="en-US" smtClean="0"/>
               <a:pPr/>
-              <a:t>2008/1/24</a:t>
+              <a:t>2008/3/30</a:t>
             </a:fld>
             <a:endParaRPr lang="zh-CN" altLang="en-US"/>
           </a:p>
@@ -10353,7 +10352,7 @@
             <a:fld id="{01063BBB-D67F-46CB-8C7C-A128197A8B53}" type="datetimeFigureOut">
               <a:rPr lang="zh-CN" altLang="en-US" smtClean="0"/>
               <a:pPr/>
-              <a:t>2008/1/24</a:t>
+              <a:t>2008/3/30</a:t>
             </a:fld>
             <a:endParaRPr lang="zh-CN" altLang="en-US"/>
           </a:p>
@@ -10530,7 +10529,7 @@
             <a:fld id="{01063BBB-D67F-46CB-8C7C-A128197A8B53}" type="datetimeFigureOut">
               <a:rPr lang="zh-CN" altLang="en-US" smtClean="0"/>
               <a:pPr/>
-              <a:t>2008/1/24</a:t>
+              <a:t>2008/3/30</a:t>
             </a:fld>
             <a:endParaRPr lang="zh-CN" altLang="en-US"/>
           </a:p>
@@ -10697,7 +10696,7 @@
             <a:fld id="{01063BBB-D67F-46CB-8C7C-A128197A8B53}" type="datetimeFigureOut">
               <a:rPr lang="zh-CN" altLang="en-US" smtClean="0"/>
               <a:pPr/>
-              <a:t>2008/1/24</a:t>
+              <a:t>2008/3/30</a:t>
             </a:fld>
             <a:endParaRPr lang="zh-CN" altLang="en-US"/>
           </a:p>
@@ -10940,7 +10939,7 @@
             <a:fld id="{01063BBB-D67F-46CB-8C7C-A128197A8B53}" type="datetimeFigureOut">
               <a:rPr lang="zh-CN" altLang="en-US" smtClean="0"/>
               <a:pPr/>
-              <a:t>2008/1/24</a:t>
+              <a:t>2008/3/30</a:t>
             </a:fld>
             <a:endParaRPr lang="zh-CN" altLang="en-US"/>
           </a:p>
@@ -11225,7 +11224,7 @@
             <a:fld id="{01063BBB-D67F-46CB-8C7C-A128197A8B53}" type="datetimeFigureOut">
               <a:rPr lang="zh-CN" altLang="en-US" smtClean="0"/>
               <a:pPr/>
-              <a:t>2008/1/24</a:t>
+              <a:t>2008/3/30</a:t>
             </a:fld>
             <a:endParaRPr lang="zh-CN" altLang="en-US"/>
           </a:p>
@@ -11644,7 +11643,7 @@
             <a:fld id="{01063BBB-D67F-46CB-8C7C-A128197A8B53}" type="datetimeFigureOut">
               <a:rPr lang="zh-CN" altLang="en-US" smtClean="0"/>
               <a:pPr/>
-              <a:t>2008/1/24</a:t>
+              <a:t>2008/3/30</a:t>
             </a:fld>
             <a:endParaRPr lang="zh-CN" altLang="en-US"/>
           </a:p>
@@ -11759,7 +11758,7 @@
             <a:fld id="{01063BBB-D67F-46CB-8C7C-A128197A8B53}" type="datetimeFigureOut">
               <a:rPr lang="zh-CN" altLang="en-US" smtClean="0"/>
               <a:pPr/>
-              <a:t>2008/1/24</a:t>
+              <a:t>2008/3/30</a:t>
             </a:fld>
             <a:endParaRPr lang="zh-CN" altLang="en-US"/>
           </a:p>
@@ -11851,7 +11850,7 @@
             <a:fld id="{01063BBB-D67F-46CB-8C7C-A128197A8B53}" type="datetimeFigureOut">
               <a:rPr lang="zh-CN" altLang="en-US" smtClean="0"/>
               <a:pPr/>
-              <a:t>2008/1/24</a:t>
+              <a:t>2008/3/30</a:t>
             </a:fld>
             <a:endParaRPr lang="zh-CN" altLang="en-US"/>
           </a:p>
@@ -12125,7 +12124,7 @@
             <a:fld id="{01063BBB-D67F-46CB-8C7C-A128197A8B53}" type="datetimeFigureOut">
               <a:rPr lang="zh-CN" altLang="en-US" smtClean="0"/>
               <a:pPr/>
-              <a:t>2008/1/24</a:t>
+              <a:t>2008/3/30</a:t>
             </a:fld>
             <a:endParaRPr lang="zh-CN" altLang="en-US"/>
           </a:p>
@@ -12375,7 +12374,7 @@
             <a:fld id="{01063BBB-D67F-46CB-8C7C-A128197A8B53}" type="datetimeFigureOut">
               <a:rPr lang="zh-CN" altLang="en-US" smtClean="0"/>
               <a:pPr/>
-              <a:t>2008/1/24</a:t>
+              <a:t>2008/3/30</a:t>
             </a:fld>
             <a:endParaRPr lang="zh-CN" altLang="en-US"/>
           </a:p>
@@ -12585,7 +12584,7 @@
             <a:fld id="{01063BBB-D67F-46CB-8C7C-A128197A8B53}" type="datetimeFigureOut">
               <a:rPr lang="zh-CN" altLang="en-US" smtClean="0"/>
               <a:pPr/>
-              <a:t>2008/1/24</a:t>
+              <a:t>2008/3/30</a:t>
             </a:fld>
             <a:endParaRPr lang="zh-CN" altLang="en-US"/>
           </a:p>
@@ -13100,69 +13099,6 @@
 </p:sld>
 </file>
 
-<file path=ppt/slides/slide4.xml><?xml version="1.0" encoding="utf-8"?>
-<p:sld xmlns:a="http://schemas.openxmlformats.org/drawingml/2006/main" xmlns:r="http://schemas.openxmlformats.org/officeDocument/2006/relationships" xmlns:p="http://schemas.openxmlformats.org/presentationml/2006/main">
-  <p:cSld>
-    <p:spTree>
-      <p:nvGrpSpPr>
-        <p:cNvPr id="1" name=""/>
-        <p:cNvGrpSpPr/>
-        <p:nvPr/>
-      </p:nvGrpSpPr>
-      <p:grpSpPr>
-        <a:xfrm>
-          <a:off x="0" y="0"/>
-          <a:ext cx="0" cy="0"/>
-          <a:chOff x="0" y="0"/>
-          <a:chExt cx="0" cy="0"/>
-        </a:xfrm>
-      </p:grpSpPr>
-      <p:sp>
-        <p:nvSpPr>
-          <p:cNvPr id="2" name="标题 1"/>
-          <p:cNvSpPr>
-            <a:spLocks noGrp="1"/>
-          </p:cNvSpPr>
-          <p:nvPr>
-            <p:ph type="title"/>
-          </p:nvPr>
-        </p:nvSpPr>
-        <p:spPr/>
-        <p:txBody>
-          <a:bodyPr/>
-          <a:lstStyle/>
-          <a:p>
-            <a:endParaRPr lang="zh-CN" altLang="en-US" dirty="0"/>
-          </a:p>
-        </p:txBody>
-      </p:sp>
-      <p:sp>
-        <p:nvSpPr>
-          <p:cNvPr id="3" name="内容占位符 2"/>
-          <p:cNvSpPr>
-            <a:spLocks noGrp="1"/>
-          </p:cNvSpPr>
-          <p:nvPr>
-            <p:ph idx="1"/>
-          </p:nvPr>
-        </p:nvSpPr>
-        <p:spPr/>
-        <p:txBody>
-          <a:bodyPr/>
-          <a:lstStyle/>
-          <a:p>
-            <a:endParaRPr lang="zh-CN" altLang="en-US"/>
-          </a:p>
-        </p:txBody>
-      </p:sp>
-    </p:spTree>
-  </p:cSld>
-  <p:clrMapOvr>
-    <a:masterClrMapping/>
-  </p:clrMapOvr>
-</p:sld>
-</file>
-
 <file path=ppt/theme/theme1.xml><?xml version="1.0" encoding="utf-8"?>
 <a:theme xmlns:a="http://schemas.openxmlformats.org/drawingml/2006/main" name="Office 主题">
   <a:themeElements>

--- a/information/网站结构080123.pptx
+++ b/information/网站结构080123.pptx
@@ -8,6 +8,7 @@
     <p:sldId id="256" r:id="rId2"/>
     <p:sldId id="257" r:id="rId3"/>
     <p:sldId id="258" r:id="rId4"/>
+    <p:sldId id="259" r:id="rId5"/>
   </p:sldIdLst>
   <p:sldSz cx="9144000" cy="6858000" type="screen4x3"/>
   <p:notesSz cx="6858000" cy="9144000"/>
@@ -10185,7 +10186,7 @@
             <a:fld id="{01063BBB-D67F-46CB-8C7C-A128197A8B53}" type="datetimeFigureOut">
               <a:rPr lang="zh-CN" altLang="en-US" smtClean="0"/>
               <a:pPr/>
-              <a:t>2008/3/30</a:t>
+              <a:t>2008/1/24</a:t>
             </a:fld>
             <a:endParaRPr lang="zh-CN" altLang="en-US"/>
           </a:p>
@@ -10352,7 +10353,7 @@
             <a:fld id="{01063BBB-D67F-46CB-8C7C-A128197A8B53}" type="datetimeFigureOut">
               <a:rPr lang="zh-CN" altLang="en-US" smtClean="0"/>
               <a:pPr/>
-              <a:t>2008/3/30</a:t>
+              <a:t>2008/1/24</a:t>
             </a:fld>
             <a:endParaRPr lang="zh-CN" altLang="en-US"/>
           </a:p>
@@ -10529,7 +10530,7 @@
             <a:fld id="{01063BBB-D67F-46CB-8C7C-A128197A8B53}" type="datetimeFigureOut">
               <a:rPr lang="zh-CN" altLang="en-US" smtClean="0"/>
               <a:pPr/>
-              <a:t>2008/3/30</a:t>
+              <a:t>2008/1/24</a:t>
             </a:fld>
             <a:endParaRPr lang="zh-CN" altLang="en-US"/>
           </a:p>
@@ -10696,7 +10697,7 @@
             <a:fld id="{01063BBB-D67F-46CB-8C7C-A128197A8B53}" type="datetimeFigureOut">
               <a:rPr lang="zh-CN" altLang="en-US" smtClean="0"/>
               <a:pPr/>
-              <a:t>2008/3/30</a:t>
+              <a:t>2008/1/24</a:t>
             </a:fld>
             <a:endParaRPr lang="zh-CN" altLang="en-US"/>
           </a:p>
@@ -10939,7 +10940,7 @@
             <a:fld id="{01063BBB-D67F-46CB-8C7C-A128197A8B53}" type="datetimeFigureOut">
               <a:rPr lang="zh-CN" altLang="en-US" smtClean="0"/>
               <a:pPr/>
-              <a:t>2008/3/30</a:t>
+              <a:t>2008/1/24</a:t>
             </a:fld>
             <a:endParaRPr lang="zh-CN" altLang="en-US"/>
           </a:p>
@@ -11224,7 +11225,7 @@
             <a:fld id="{01063BBB-D67F-46CB-8C7C-A128197A8B53}" type="datetimeFigureOut">
               <a:rPr lang="zh-CN" altLang="en-US" smtClean="0"/>
               <a:pPr/>
-              <a:t>2008/3/30</a:t>
+              <a:t>2008/1/24</a:t>
             </a:fld>
             <a:endParaRPr lang="zh-CN" altLang="en-US"/>
           </a:p>
@@ -11643,7 +11644,7 @@
             <a:fld id="{01063BBB-D67F-46CB-8C7C-A128197A8B53}" type="datetimeFigureOut">
               <a:rPr lang="zh-CN" altLang="en-US" smtClean="0"/>
               <a:pPr/>
-              <a:t>2008/3/30</a:t>
+              <a:t>2008/1/24</a:t>
             </a:fld>
             <a:endParaRPr lang="zh-CN" altLang="en-US"/>
           </a:p>
@@ -11758,7 +11759,7 @@
             <a:fld id="{01063BBB-D67F-46CB-8C7C-A128197A8B53}" type="datetimeFigureOut">
               <a:rPr lang="zh-CN" altLang="en-US" smtClean="0"/>
               <a:pPr/>
-              <a:t>2008/3/30</a:t>
+              <a:t>2008/1/24</a:t>
             </a:fld>
             <a:endParaRPr lang="zh-CN" altLang="en-US"/>
           </a:p>
@@ -11850,7 +11851,7 @@
             <a:fld id="{01063BBB-D67F-46CB-8C7C-A128197A8B53}" type="datetimeFigureOut">
               <a:rPr lang="zh-CN" altLang="en-US" smtClean="0"/>
               <a:pPr/>
-              <a:t>2008/3/30</a:t>
+              <a:t>2008/1/24</a:t>
             </a:fld>
             <a:endParaRPr lang="zh-CN" altLang="en-US"/>
           </a:p>
@@ -12124,7 +12125,7 @@
             <a:fld id="{01063BBB-D67F-46CB-8C7C-A128197A8B53}" type="datetimeFigureOut">
               <a:rPr lang="zh-CN" altLang="en-US" smtClean="0"/>
               <a:pPr/>
-              <a:t>2008/3/30</a:t>
+              <a:t>2008/1/24</a:t>
             </a:fld>
             <a:endParaRPr lang="zh-CN" altLang="en-US"/>
           </a:p>
@@ -12374,7 +12375,7 @@
             <a:fld id="{01063BBB-D67F-46CB-8C7C-A128197A8B53}" type="datetimeFigureOut">
               <a:rPr lang="zh-CN" altLang="en-US" smtClean="0"/>
               <a:pPr/>
-              <a:t>2008/3/30</a:t>
+              <a:t>2008/1/24</a:t>
             </a:fld>
             <a:endParaRPr lang="zh-CN" altLang="en-US"/>
           </a:p>
@@ -12584,7 +12585,7 @@
             <a:fld id="{01063BBB-D67F-46CB-8C7C-A128197A8B53}" type="datetimeFigureOut">
               <a:rPr lang="zh-CN" altLang="en-US" smtClean="0"/>
               <a:pPr/>
-              <a:t>2008/3/30</a:t>
+              <a:t>2008/1/24</a:t>
             </a:fld>
             <a:endParaRPr lang="zh-CN" altLang="en-US"/>
           </a:p>
@@ -13099,6 +13100,69 @@
 </p:sld>
 </file>
 
+<file path=ppt/slides/slide4.xml><?xml version="1.0" encoding="utf-8"?>
+<p:sld xmlns:a="http://schemas.openxmlformats.org/drawingml/2006/main" xmlns:r="http://schemas.openxmlformats.org/officeDocument/2006/relationships" xmlns:p="http://schemas.openxmlformats.org/presentationml/2006/main">
+  <p:cSld>
+    <p:spTree>
+      <p:nvGrpSpPr>
+        <p:cNvPr id="1" name=""/>
+        <p:cNvGrpSpPr/>
+        <p:nvPr/>
+      </p:nvGrpSpPr>
+      <p:grpSpPr>
+        <a:xfrm>
+          <a:off x="0" y="0"/>
+          <a:ext cx="0" cy="0"/>
+          <a:chOff x="0" y="0"/>
+          <a:chExt cx="0" cy="0"/>
+        </a:xfrm>
+      </p:grpSpPr>
+      <p:sp>
+        <p:nvSpPr>
+          <p:cNvPr id="2" name="标题 1"/>
+          <p:cNvSpPr>
+            <a:spLocks noGrp="1"/>
+          </p:cNvSpPr>
+          <p:nvPr>
+            <p:ph type="title"/>
+          </p:nvPr>
+        </p:nvSpPr>
+        <p:spPr/>
+        <p:txBody>
+          <a:bodyPr/>
+          <a:lstStyle/>
+          <a:p>
+            <a:endParaRPr lang="zh-CN" altLang="en-US" dirty="0"/>
+          </a:p>
+        </p:txBody>
+      </p:sp>
+      <p:sp>
+        <p:nvSpPr>
+          <p:cNvPr id="3" name="内容占位符 2"/>
+          <p:cNvSpPr>
+            <a:spLocks noGrp="1"/>
+          </p:cNvSpPr>
+          <p:nvPr>
+            <p:ph idx="1"/>
+          </p:nvPr>
+        </p:nvSpPr>
+        <p:spPr/>
+        <p:txBody>
+          <a:bodyPr/>
+          <a:lstStyle/>
+          <a:p>
+            <a:endParaRPr lang="zh-CN" altLang="en-US"/>
+          </a:p>
+        </p:txBody>
+      </p:sp>
+    </p:spTree>
+  </p:cSld>
+  <p:clrMapOvr>
+    <a:masterClrMapping/>
+  </p:clrMapOvr>
+</p:sld>
+</file>
+
 <file path=ppt/theme/theme1.xml><?xml version="1.0" encoding="utf-8"?>
 <a:theme xmlns:a="http://schemas.openxmlformats.org/drawingml/2006/main" name="Office 主题">
   <a:themeElements>
